--- a/Briefing3.pptx
+++ b/Briefing3.pptx
@@ -14,13 +14,12 @@
     <p:sldId id="263" r:id="rId8"/>
     <p:sldId id="260" r:id="rId9"/>
     <p:sldId id="264" r:id="rId10"/>
-    <p:sldId id="265" r:id="rId11"/>
-    <p:sldId id="266" r:id="rId12"/>
-    <p:sldId id="267" r:id="rId13"/>
-    <p:sldId id="268" r:id="rId14"/>
-    <p:sldId id="269" r:id="rId15"/>
-    <p:sldId id="270" r:id="rId16"/>
-    <p:sldId id="271" r:id="rId17"/>
+    <p:sldId id="266" r:id="rId11"/>
+    <p:sldId id="267" r:id="rId12"/>
+    <p:sldId id="268" r:id="rId13"/>
+    <p:sldId id="269" r:id="rId14"/>
+    <p:sldId id="270" r:id="rId15"/>
+    <p:sldId id="271" r:id="rId16"/>
   </p:sldIdLst>
   <p:sldSz cx="9144000" cy="6858000" type="screen4x3"/>
   <p:notesSz cx="6858000" cy="9144000"/>
@@ -330,7 +329,7 @@
             <a:fld id="{542ED6D8-967B-4FDD-8539-23116DD8CE38}" type="datetimeFigureOut">
               <a:rPr lang="en-US" smtClean="0"/>
               <a:pPr/>
-              <a:t>10/25/2014</a:t>
+              <a:t>10/26/2014</a:t>
             </a:fld>
             <a:endParaRPr lang="en-US"/>
           </a:p>
@@ -526,7 +525,7 @@
             <a:fld id="{542ED6D8-967B-4FDD-8539-23116DD8CE38}" type="datetimeFigureOut">
               <a:rPr lang="en-US" smtClean="0"/>
               <a:pPr/>
-              <a:t>10/25/2014</a:t>
+              <a:t>10/26/2014</a:t>
             </a:fld>
             <a:endParaRPr lang="en-US"/>
           </a:p>
@@ -716,7 +715,7 @@
             <a:fld id="{542ED6D8-967B-4FDD-8539-23116DD8CE38}" type="datetimeFigureOut">
               <a:rPr lang="en-US" smtClean="0"/>
               <a:pPr/>
-              <a:t>10/25/2014</a:t>
+              <a:t>10/26/2014</a:t>
             </a:fld>
             <a:endParaRPr lang="en-US"/>
           </a:p>
@@ -947,7 +946,7 @@
             <a:fld id="{542ED6D8-967B-4FDD-8539-23116DD8CE38}" type="datetimeFigureOut">
               <a:rPr lang="en-US" smtClean="0"/>
               <a:pPr/>
-              <a:t>10/25/2014</a:t>
+              <a:t>10/26/2014</a:t>
             </a:fld>
             <a:endParaRPr lang="en-US"/>
           </a:p>
@@ -1230,7 +1229,7 @@
             <a:fld id="{542ED6D8-967B-4FDD-8539-23116DD8CE38}" type="datetimeFigureOut">
               <a:rPr lang="en-US" smtClean="0"/>
               <a:pPr/>
-              <a:t>10/25/2014</a:t>
+              <a:t>10/26/2014</a:t>
             </a:fld>
             <a:endParaRPr lang="en-US"/>
           </a:p>
@@ -1520,7 +1519,7 @@
             <a:fld id="{542ED6D8-967B-4FDD-8539-23116DD8CE38}" type="datetimeFigureOut">
               <a:rPr lang="en-US" smtClean="0"/>
               <a:pPr/>
-              <a:t>10/25/2014</a:t>
+              <a:t>10/26/2014</a:t>
             </a:fld>
             <a:endParaRPr lang="en-US"/>
           </a:p>
@@ -2076,7 +2075,7 @@
             <a:fld id="{542ED6D8-967B-4FDD-8539-23116DD8CE38}" type="datetimeFigureOut">
               <a:rPr lang="en-US" smtClean="0"/>
               <a:pPr/>
-              <a:t>10/25/2014</a:t>
+              <a:t>10/26/2014</a:t>
             </a:fld>
             <a:endParaRPr lang="en-US"/>
           </a:p>
@@ -2209,7 +2208,7 @@
             <a:fld id="{542ED6D8-967B-4FDD-8539-23116DD8CE38}" type="datetimeFigureOut">
               <a:rPr lang="en-US" smtClean="0"/>
               <a:pPr/>
-              <a:t>10/25/2014</a:t>
+              <a:t>10/26/2014</a:t>
             </a:fld>
             <a:endParaRPr lang="en-US"/>
           </a:p>
@@ -2361,7 +2360,7 @@
             <a:fld id="{542ED6D8-967B-4FDD-8539-23116DD8CE38}" type="datetimeFigureOut">
               <a:rPr lang="en-US" smtClean="0"/>
               <a:pPr/>
-              <a:t>10/25/2014</a:t>
+              <a:t>10/26/2014</a:t>
             </a:fld>
             <a:endParaRPr lang="en-US"/>
           </a:p>
@@ -2684,7 +2683,7 @@
             <a:fld id="{542ED6D8-967B-4FDD-8539-23116DD8CE38}" type="datetimeFigureOut">
               <a:rPr lang="en-US" smtClean="0"/>
               <a:pPr/>
-              <a:t>10/25/2014</a:t>
+              <a:t>10/26/2014</a:t>
             </a:fld>
             <a:endParaRPr lang="en-US"/>
           </a:p>
@@ -2983,7 +2982,7 @@
             <a:fld id="{542ED6D8-967B-4FDD-8539-23116DD8CE38}" type="datetimeFigureOut">
               <a:rPr lang="en-US" smtClean="0"/>
               <a:pPr/>
-              <a:t>10/25/2014</a:t>
+              <a:t>10/26/2014</a:t>
             </a:fld>
             <a:endParaRPr lang="en-US"/>
           </a:p>
@@ -3230,7 +3229,7 @@
             <a:fld id="{542ED6D8-967B-4FDD-8539-23116DD8CE38}" type="datetimeFigureOut">
               <a:rPr lang="en-US" smtClean="0"/>
               <a:pPr/>
-              <a:t>10/25/2014</a:t>
+              <a:t>10/26/2014</a:t>
             </a:fld>
             <a:endParaRPr lang="en-US"/>
           </a:p>
@@ -3840,7 +3839,7 @@
       </p:grpSpPr>
       <p:pic>
         <p:nvPicPr>
-          <p:cNvPr id="5122" name="Picture 2"/>
+          <p:cNvPr id="1026" name="Picture 2"/>
           <p:cNvPicPr>
             <a:picLocks noChangeAspect="1" noChangeArrowheads="1"/>
           </p:cNvPicPr>
@@ -3855,8 +3854,8 @@
         </p:blipFill>
         <p:spPr bwMode="auto">
           <a:xfrm>
-            <a:off x="0" y="0"/>
-            <a:ext cx="9144000" cy="6894917"/>
+            <a:off x="-41076" y="0"/>
+            <a:ext cx="9337476" cy="6858000"/>
           </a:xfrm>
           <a:prstGeom prst="rect">
             <a:avLst/>
@@ -3904,70 +3903,6 @@
       </p:grpSpPr>
       <p:pic>
         <p:nvPicPr>
-          <p:cNvPr id="6146" name="Picture 2"/>
-          <p:cNvPicPr>
-            <a:picLocks noChangeAspect="1" noChangeArrowheads="1"/>
-          </p:cNvPicPr>
-          <p:nvPr/>
-        </p:nvPicPr>
-        <p:blipFill>
-          <a:blip r:embed="rId2" cstate="print"/>
-          <a:srcRect/>
-          <a:stretch>
-            <a:fillRect/>
-          </a:stretch>
-        </p:blipFill>
-        <p:spPr bwMode="auto">
-          <a:xfrm>
-            <a:off x="0" y="0"/>
-            <a:ext cx="9155371" cy="6857999"/>
-          </a:xfrm>
-          <a:prstGeom prst="rect">
-            <a:avLst/>
-          </a:prstGeom>
-          <a:noFill/>
-          <a:ln w="9525">
-            <a:noFill/>
-            <a:miter lim="800000"/>
-            <a:headEnd/>
-            <a:tailEnd/>
-          </a:ln>
-        </p:spPr>
-      </p:pic>
-    </p:spTree>
-  </p:cSld>
-  <p:clrMapOvr>
-    <a:masterClrMapping/>
-  </p:clrMapOvr>
-  <p:timing>
-    <p:tnLst>
-      <p:par>
-        <p:cTn id="1" dur="indefinite" restart="never" nodeType="tmRoot"/>
-      </p:par>
-    </p:tnLst>
-  </p:timing>
-</p:sld>
-</file>
-
-<file path=ppt/slides/slide12.xml><?xml version="1.0" encoding="utf-8"?>
-<p:sld xmlns:a="http://schemas.openxmlformats.org/drawingml/2006/main" xmlns:r="http://schemas.openxmlformats.org/officeDocument/2006/relationships" xmlns:p="http://schemas.openxmlformats.org/presentationml/2006/main">
-  <p:cSld>
-    <p:spTree>
-      <p:nvGrpSpPr>
-        <p:cNvPr id="1" name=""/>
-        <p:cNvGrpSpPr/>
-        <p:nvPr/>
-      </p:nvGrpSpPr>
-      <p:grpSpPr>
-        <a:xfrm>
-          <a:off x="0" y="0"/>
-          <a:ext cx="0" cy="0"/>
-          <a:chOff x="0" y="0"/>
-          <a:chExt cx="0" cy="0"/>
-        </a:xfrm>
-      </p:grpSpPr>
-      <p:pic>
-        <p:nvPicPr>
           <p:cNvPr id="7170" name="Picture 2"/>
           <p:cNvPicPr>
             <a:picLocks noChangeAspect="1" noChangeArrowheads="1"/>
@@ -4006,7 +3941,7 @@
 </p:sld>
 </file>
 
-<file path=ppt/slides/slide13.xml><?xml version="1.0" encoding="utf-8"?>
+<file path=ppt/slides/slide12.xml><?xml version="1.0" encoding="utf-8"?>
 <p:sld xmlns:a="http://schemas.openxmlformats.org/drawingml/2006/main" xmlns:r="http://schemas.openxmlformats.org/officeDocument/2006/relationships" xmlns:p="http://schemas.openxmlformats.org/presentationml/2006/main">
   <p:cSld>
     <p:spTree>
@@ -4063,7 +3998,7 @@
 </p:sld>
 </file>
 
-<file path=ppt/slides/slide14.xml><?xml version="1.0" encoding="utf-8"?>
+<file path=ppt/slides/slide13.xml><?xml version="1.0" encoding="utf-8"?>
 <p:sld xmlns:a="http://schemas.openxmlformats.org/drawingml/2006/main" xmlns:r="http://schemas.openxmlformats.org/officeDocument/2006/relationships" xmlns:p="http://schemas.openxmlformats.org/presentationml/2006/main">
   <p:cSld>
     <p:spTree>
@@ -4120,7 +4055,7 @@
 </p:sld>
 </file>
 
-<file path=ppt/slides/slide15.xml><?xml version="1.0" encoding="utf-8"?>
+<file path=ppt/slides/slide14.xml><?xml version="1.0" encoding="utf-8"?>
 <p:sld xmlns:a="http://schemas.openxmlformats.org/drawingml/2006/main" xmlns:r="http://schemas.openxmlformats.org/officeDocument/2006/relationships" xmlns:p="http://schemas.openxmlformats.org/presentationml/2006/main">
   <p:cSld>
     <p:spTree>
@@ -4177,7 +4112,7 @@
 </p:sld>
 </file>
 
-<file path=ppt/slides/slide16.xml><?xml version="1.0" encoding="utf-8"?>
+<file path=ppt/slides/slide15.xml><?xml version="1.0" encoding="utf-8"?>
 <p:sld xmlns:a="http://schemas.openxmlformats.org/drawingml/2006/main" xmlns:r="http://schemas.openxmlformats.org/officeDocument/2006/relationships" xmlns:p="http://schemas.openxmlformats.org/presentationml/2006/main">
   <p:cSld>
     <p:spTree>
